--- a/Courses/Computer-Modeling-and-IT/Computer-Modeling-and-IT-5-Class/02-User-Interface/02-User-Interface.pptx
+++ b/Courses/Computer-Modeling-and-IT/Computer-Modeling-and-IT-5-Class/02-User-Interface/02-User-Interface.pptx
@@ -293,7 +293,7 @@
           <a:p>
             <a:fld id="{4E087215-0C8F-4762-A664-737A353EC9A4}" type="datetimeFigureOut">
               <a:rPr lang="bg-BG" smtClean="0"/>
-              <a:t>19.2.2024 г.</a:t>
+              <a:t>23.2.2024 г.</a:t>
             </a:fld>
             <a:endParaRPr lang="bg-BG"/>
           </a:p>
@@ -489,7 +489,7 @@
           <a:p>
             <a:fld id="{72D84649-876A-46C9-8472-14CB09C070D8}" type="datetimeFigureOut">
               <a:rPr lang="en-US" smtClean="0"/>
-              <a:t>2/19/2024</a:t>
+              <a:t>2/23/2024</a:t>
             </a:fld>
             <a:endParaRPr lang="en-US"/>
           </a:p>
@@ -7419,6 +7419,36 @@
           </a:p>
         </p:txBody>
       </p:sp>
+      <p:pic>
+        <p:nvPicPr>
+          <p:cNvPr id="9" name="Picture 8"/>
+          <p:cNvPicPr>
+            <a:picLocks noChangeAspect="1"/>
+          </p:cNvPicPr>
+          <p:nvPr/>
+        </p:nvPicPr>
+        <p:blipFill>
+          <a:blip r:embed="rId5">
+            <a:extLst>
+              <a:ext uri="{28A0092B-C50C-407E-A947-70E740481C1C}">
+                <a14:useLocalDpi xmlns:a14="http://schemas.microsoft.com/office/drawing/2010/main" val="0"/>
+              </a:ext>
+            </a:extLst>
+          </a:blip>
+          <a:stretch>
+            <a:fillRect/>
+          </a:stretch>
+        </p:blipFill>
+        <p:spPr>
+          <a:xfrm>
+            <a:off x="534045" y="2894963"/>
+            <a:ext cx="2208506" cy="988389"/>
+          </a:xfrm>
+          <a:prstGeom prst="rect">
+            <a:avLst/>
+          </a:prstGeom>
+        </p:spPr>
+      </p:pic>
     </p:spTree>
     <p:extLst>
       <p:ext uri="{BB962C8B-B14F-4D97-AF65-F5344CB8AC3E}">
@@ -8208,7 +8238,7 @@
             <a:fld id="{2BF067CD-8E6B-4360-9AA8-C5DF2A48A6D1}" type="slidenum">
               <a:rPr lang="en-US" noProof="0" smtClean="0"/>
               <a:pPr/>
-              <a:t>‹#›</a:t>
+              <a:t>11</a:t>
             </a:fld>
             <a:endParaRPr lang="en-US" noProof="0" dirty="0"/>
           </a:p>
@@ -9124,7 +9154,7 @@
             <a:fld id="{2BF067CD-8E6B-4360-9AA8-C5DF2A48A6D1}" type="slidenum">
               <a:rPr lang="en-US" noProof="0" smtClean="0"/>
               <a:pPr/>
-              <a:t>‹#›</a:t>
+              <a:t>12</a:t>
             </a:fld>
             <a:endParaRPr lang="en-US" noProof="0" dirty="0"/>
           </a:p>
@@ -12348,7 +12378,7 @@
                 <a:hlinkClick r:id="rId3">
                   <a:extLst>
                     <a:ext uri="{A12FA001-AC4F-418D-AE19-62706E023703}">
-                      <ahyp:hlinkClr xmlns:ahyp="http://schemas.microsoft.com/office/drawing/2018/hyperlinkcolor" xmlns="" val="tx"/>
+                      <ahyp:hlinkClr xmlns="" xmlns:ahyp="http://schemas.microsoft.com/office/drawing/2018/hyperlinkcolor" val="tx"/>
                     </a:ext>
                   </a:extLst>
                 </a:hlinkClick>
@@ -13015,7 +13045,7 @@
             <a:fld id="{2BF067CD-8E6B-4360-9AA8-C5DF2A48A6D1}" type="slidenum">
               <a:rPr lang="en-US" noProof="0" smtClean="0"/>
               <a:pPr/>
-              <a:t>‹#›</a:t>
+              <a:t>2</a:t>
             </a:fld>
             <a:endParaRPr lang="en-US" noProof="0" dirty="0"/>
           </a:p>
@@ -13742,7 +13772,7 @@
             <a:fld id="{2BF067CD-8E6B-4360-9AA8-C5DF2A48A6D1}" type="slidenum">
               <a:rPr lang="en-US" noProof="0" smtClean="0"/>
               <a:pPr/>
-              <a:t>‹#›</a:t>
+              <a:t>4</a:t>
             </a:fld>
             <a:endParaRPr lang="en-US" noProof="0" dirty="0"/>
           </a:p>
@@ -14583,7 +14613,7 @@
             <a:fld id="{2BF067CD-8E6B-4360-9AA8-C5DF2A48A6D1}" type="slidenum">
               <a:rPr lang="en-US" noProof="0" smtClean="0"/>
               <a:pPr/>
-              <a:t>‹#›</a:t>
+              <a:t>6</a:t>
             </a:fld>
             <a:endParaRPr lang="en-US" noProof="0" dirty="0"/>
           </a:p>
@@ -15570,7 +15600,7 @@
             <a:fld id="{2BF067CD-8E6B-4360-9AA8-C5DF2A48A6D1}" type="slidenum">
               <a:rPr lang="en-US" noProof="0" smtClean="0"/>
               <a:pPr/>
-              <a:t>‹#›</a:t>
+              <a:t>8</a:t>
             </a:fld>
             <a:endParaRPr lang="en-US" noProof="0" dirty="0"/>
           </a:p>
@@ -16340,7 +16370,7 @@
             <a:fld id="{2BF067CD-8E6B-4360-9AA8-C5DF2A48A6D1}" type="slidenum">
               <a:rPr lang="en-US" noProof="0" smtClean="0"/>
               <a:pPr/>
-              <a:t>‹#›</a:t>
+              <a:t>9</a:t>
             </a:fld>
             <a:endParaRPr lang="en-US" noProof="0" dirty="0"/>
           </a:p>

--- a/Courses/Computer-Modeling-and-IT/Computer-Modeling-and-IT-5-Class/02-User-Interface/02-User-Interface.pptx
+++ b/Courses/Computer-Modeling-and-IT/Computer-Modeling-and-IT-5-Class/02-User-Interface/02-User-Interface.pptx
@@ -293,7 +293,7 @@
           <a:p>
             <a:fld id="{4E087215-0C8F-4762-A664-737A353EC9A4}" type="datetimeFigureOut">
               <a:rPr lang="bg-BG" smtClean="0"/>
-              <a:t>23.2.2024 г.</a:t>
+              <a:t>27.02.24 г.</a:t>
             </a:fld>
             <a:endParaRPr lang="bg-BG"/>
           </a:p>
@@ -489,7 +489,7 @@
           <a:p>
             <a:fld id="{72D84649-876A-46C9-8472-14CB09C070D8}" type="datetimeFigureOut">
               <a:rPr lang="en-US" smtClean="0"/>
-              <a:t>2/23/2024</a:t>
+              <a:t>2/27/24</a:t>
             </a:fld>
             <a:endParaRPr lang="en-US"/>
           </a:p>
@@ -7230,13 +7230,13 @@
         </p:nvSpPr>
         <p:spPr>
           <a:xfrm>
-            <a:off x="630068" y="1474404"/>
-            <a:ext cx="10965303" cy="882654"/>
+            <a:off x="630068" y="1646346"/>
+            <a:ext cx="10965303" cy="612654"/>
           </a:xfrm>
         </p:spPr>
         <p:txBody>
           <a:bodyPr>
-            <a:normAutofit/>
+            <a:normAutofit lnSpcReduction="10000"/>
           </a:bodyPr>
           <a:lstStyle/>
           <a:p>
@@ -7266,8 +7266,8 @@
         </p:nvSpPr>
         <p:spPr>
           <a:xfrm>
-            <a:off x="236918" y="446261"/>
-            <a:ext cx="11283094" cy="882654"/>
+            <a:off x="454453" y="348203"/>
+            <a:ext cx="11283094" cy="1186404"/>
           </a:xfrm>
         </p:spPr>
         <p:txBody>
@@ -7496,26 +7496,34 @@
           <p:nvPr/>
         </p:nvPicPr>
         <p:blipFill>
-          <a:blip r:embed="rId2"/>
-          <a:stretch>
-            <a:fillRect/>
-          </a:stretch>
+          <a:blip r:embed="rId2">
+            <a:extLst>
+              <a:ext uri="{28A0092B-C50C-407E-A947-70E740481C1C}">
+                <a14:useLocalDpi xmlns:a14="http://schemas.microsoft.com/office/drawing/2010/main" val="0"/>
+              </a:ext>
+            </a:extLst>
+          </a:blip>
+          <a:srcRect/>
+          <a:stretch/>
         </p:blipFill>
         <p:spPr>
           <a:xfrm>
-            <a:off x="3081000" y="729000"/>
-            <a:ext cx="6161524" cy="3723041"/>
+            <a:off x="2835933" y="304398"/>
+            <a:ext cx="6520133" cy="4474602"/>
           </a:xfrm>
           <a:prstGeom prst="rect">
             <a:avLst/>
           </a:prstGeom>
           <a:ln>
-            <a:solidFill>
-              <a:schemeClr val="bg2">
-                <a:lumMod val="75000"/>
-              </a:schemeClr>
-            </a:solidFill>
+            <a:noFill/>
           </a:ln>
+          <a:effectLst>
+            <a:outerShdw blurRad="292100" dist="139700" dir="2700000" algn="tl" rotWithShape="0">
+              <a:srgbClr val="333333">
+                <a:alpha val="65000"/>
+              </a:srgbClr>
+            </a:outerShdw>
+          </a:effectLst>
         </p:spPr>
       </p:pic>
       <p:sp>
@@ -7530,8 +7538,8 @@
         </p:nvSpPr>
         <p:spPr>
           <a:xfrm>
-            <a:off x="615109" y="4704824"/>
-            <a:ext cx="10961783" cy="1109175"/>
+            <a:off x="313500" y="5049000"/>
+            <a:ext cx="11565000" cy="855000"/>
           </a:xfrm>
         </p:spPr>
         <p:txBody>
@@ -7539,10 +7547,10 @@
           <a:lstStyle/>
           <a:p>
             <a:r>
-              <a:rPr lang="bg-BG" dirty="0" smtClean="0"/>
+              <a:rPr lang="bg-BG" sz="4800" dirty="0"/>
               <a:t>Елементи на диалоговите прозорците</a:t>
             </a:r>
-            <a:endParaRPr lang="en-US" dirty="0"/>
+            <a:endParaRPr lang="en-US" sz="4800" dirty="0"/>
           </a:p>
         </p:txBody>
       </p:sp>
@@ -7558,7 +7566,7 @@
         </p:nvSpPr>
         <p:spPr>
           <a:xfrm>
-            <a:off x="615109" y="5949000"/>
+            <a:off x="615107" y="5907084"/>
             <a:ext cx="10961783" cy="768084"/>
           </a:xfrm>
         </p:spPr>
@@ -7567,7 +7575,7 @@
           <a:lstStyle/>
           <a:p>
             <a:r>
-              <a:rPr lang="ru-RU" dirty="0" smtClean="0"/>
+              <a:rPr lang="ru-RU" dirty="0"/>
               <a:t>Радиобутон, текстово поле, отметка, бутон</a:t>
             </a:r>
             <a:endParaRPr lang="en-US" dirty="0"/>
@@ -7592,13 +7600,6 @@
       <p:transition spd="slow" advClick="0" advTm="5000"/>
     </mc:Fallback>
   </mc:AlternateContent>
-  <p:timing>
-    <p:tnLst>
-      <p:par>
-        <p:cTn id="1" dur="indefinite" restart="never" nodeType="tmRoot"/>
-      </p:par>
-    </p:tnLst>
-  </p:timing>
 </p:sld>
 </file>
 
@@ -7661,7 +7662,7 @@
         </p:nvSpPr>
         <p:spPr>
           <a:xfrm>
-            <a:off x="12700" y="112325"/>
+            <a:off x="132729" y="112325"/>
             <a:ext cx="9833271" cy="882654"/>
           </a:xfrm>
         </p:spPr>
@@ -7935,7 +7936,10 @@
             <a:r>
               <a:rPr lang="en-US" sz="2800" b="1" dirty="0">
                 <a:solidFill>
-                  <a:schemeClr val="accent1"/>
+                  <a:schemeClr val="bg1">
+                    <a:lumMod val="60000"/>
+                    <a:lumOff val="40000"/>
+                  </a:schemeClr>
                 </a:solidFill>
                 <a:effectLst>
                   <a:outerShdw blurRad="38100" dist="38100" dir="2700000" algn="tl">
@@ -9042,7 +9046,7 @@
           </a:xfrm>
           <a:prstGeom prst="wedgeRoundRectCallout">
             <a:avLst>
-              <a:gd name="adj1" fmla="val -154226"/>
+              <a:gd name="adj1" fmla="val -162484"/>
               <a:gd name="adj2" fmla="val -28112"/>
               <a:gd name="adj3" fmla="val 16667"/>
             </a:avLst>
@@ -9089,7 +9093,7 @@
           <a:p>
             <a:pPr algn="ctr"/>
             <a:r>
-              <a:rPr lang="bg-BG" sz="2800" b="1" dirty="0" smtClean="0">
+              <a:rPr lang="bg-BG" sz="2800" b="1" dirty="0">
                 <a:solidFill>
                   <a:srgbClr val="FFFFFF"/>
                 </a:solidFill>
@@ -9103,18 +9107,6 @@
               </a:rPr>
               <a:t>Радиобутон</a:t>
             </a:r>
-            <a:endParaRPr lang="bg-BG" sz="2800" b="1" dirty="0">
-              <a:solidFill>
-                <a:srgbClr val="FFFFFF"/>
-              </a:solidFill>
-              <a:effectLst>
-                <a:outerShdw blurRad="38100" dist="38100" dir="2700000" algn="tl">
-                  <a:srgbClr val="000000">
-                    <a:alpha val="43137"/>
-                  </a:srgbClr>
-                </a:outerShdw>
-              </a:effectLst>
-            </a:endParaRPr>
           </a:p>
         </p:txBody>
       </p:sp>
@@ -9607,7 +9599,7 @@
             </a:r>
             <a:r>
               <a:rPr lang="bg-BG" b="1" dirty="0"/>
-              <a:t>десен бутон</a:t>
+              <a:t>десния бутон</a:t>
             </a:r>
             <a:r>
               <a:rPr lang="bg-BG" dirty="0"/>
@@ -9700,7 +9692,7 @@
         <p:spPr>
           <a:xfrm>
             <a:off x="8539089" y="4773284"/>
-            <a:ext cx="2700997" cy="1671235"/>
+            <a:ext cx="2918341" cy="1805716"/>
           </a:xfrm>
           <a:prstGeom prst="rect">
             <a:avLst/>
@@ -9730,8 +9722,8 @@
         </p:blipFill>
         <p:spPr>
           <a:xfrm>
-            <a:off x="8539088" y="1458410"/>
-            <a:ext cx="2700997" cy="2980483"/>
+            <a:off x="8539088" y="1275328"/>
+            <a:ext cx="2866912" cy="3163566"/>
           </a:xfrm>
           <a:prstGeom prst="rect">
             <a:avLst/>
@@ -9976,16 +9968,15 @@
           </p:cNvPicPr>
           <p:nvPr/>
         </p:nvPicPr>
-        <p:blipFill>
+        <p:blipFill rotWithShape="1">
           <a:blip r:embed="rId2"/>
-          <a:stretch>
-            <a:fillRect/>
-          </a:stretch>
+          <a:srcRect l="6416" t="2489" r="16933" b="1659"/>
+          <a:stretch/>
         </p:blipFill>
         <p:spPr>
           <a:xfrm>
-            <a:off x="7201770" y="1775448"/>
-            <a:ext cx="4154885" cy="2341456"/>
+            <a:off x="7656319" y="1424829"/>
+            <a:ext cx="3865656" cy="2724171"/>
           </a:xfrm>
           <a:prstGeom prst="rect">
             <a:avLst/>
@@ -10183,7 +10174,7 @@
         </p:blipFill>
         <p:spPr>
           <a:xfrm>
-            <a:off x="7201770" y="4696227"/>
+            <a:off x="7201770" y="5099044"/>
             <a:ext cx="4154885" cy="1510868"/>
           </a:xfrm>
           <a:prstGeom prst="rect">
@@ -10237,7 +10228,7 @@
                             </p:stCondLst>
                             <p:childTnLst>
                               <p:par>
-                                <p:cTn id="5" presetID="1" presetClass="entr" presetSubtype="0" fill="hold" grpId="0" nodeType="clickEffect">
+                                <p:cTn id="5" presetID="1" presetClass="entr" presetSubtype="0" fill="hold" nodeType="clickEffect">
                                   <p:stCondLst>
                                     <p:cond delay="0"/>
                                   </p:stCondLst>
@@ -10252,7 +10243,7 @@
                                         <p:tgtEl>
                                           <p:spTgt spid="5">
                                             <p:txEl>
-                                              <p:pRg st="2" end="2"/>
+                                              <p:pRg st="1" end="1"/>
                                             </p:txEl>
                                           </p:spTgt>
                                         </p:tgtEl>
@@ -10301,6 +10292,55 @@
                                         <p:tgtEl>
                                           <p:spTgt spid="5">
                                             <p:txEl>
+                                              <p:pRg st="2" end="2"/>
+                                            </p:txEl>
+                                          </p:spTgt>
+                                        </p:tgtEl>
+                                        <p:attrNameLst>
+                                          <p:attrName>style.visibility</p:attrName>
+                                        </p:attrNameLst>
+                                      </p:cBhvr>
+                                      <p:to>
+                                        <p:strVal val="visible"/>
+                                      </p:to>
+                                    </p:set>
+                                  </p:childTnLst>
+                                </p:cTn>
+                              </p:par>
+                            </p:childTnLst>
+                          </p:cTn>
+                        </p:par>
+                      </p:childTnLst>
+                    </p:cTn>
+                  </p:par>
+                  <p:par>
+                    <p:cTn id="11" fill="hold">
+                      <p:stCondLst>
+                        <p:cond delay="indefinite"/>
+                      </p:stCondLst>
+                      <p:childTnLst>
+                        <p:par>
+                          <p:cTn id="12" fill="hold">
+                            <p:stCondLst>
+                              <p:cond delay="0"/>
+                            </p:stCondLst>
+                            <p:childTnLst>
+                              <p:par>
+                                <p:cTn id="13" presetID="1" presetClass="entr" presetSubtype="0" fill="hold" grpId="0" nodeType="clickEffect">
+                                  <p:stCondLst>
+                                    <p:cond delay="0"/>
+                                  </p:stCondLst>
+                                  <p:childTnLst>
+                                    <p:set>
+                                      <p:cBhvr>
+                                        <p:cTn id="14" dur="1" fill="hold">
+                                          <p:stCondLst>
+                                            <p:cond delay="0"/>
+                                          </p:stCondLst>
+                                        </p:cTn>
+                                        <p:tgtEl>
+                                          <p:spTgt spid="5">
+                                            <p:txEl>
                                               <p:pRg st="3" end="3"/>
                                             </p:txEl>
                                           </p:spTgt>
@@ -10317,14 +10357,14 @@
                                 </p:cTn>
                               </p:par>
                               <p:par>
-                                <p:cTn id="11" presetID="1" presetClass="entr" presetSubtype="0" fill="hold" nodeType="withEffect">
+                                <p:cTn id="15" presetID="1" presetClass="entr" presetSubtype="0" fill="hold" nodeType="withEffect">
                                   <p:stCondLst>
                                     <p:cond delay="0"/>
                                   </p:stCondLst>
                                   <p:childTnLst>
                                     <p:set>
                                       <p:cBhvr>
-                                        <p:cTn id="12" dur="1" fill="hold">
+                                        <p:cTn id="16" dur="1" fill="hold">
                                           <p:stCondLst>
                                             <p:cond delay="0"/>
                                           </p:stCondLst>
@@ -10516,8 +10556,8 @@
           </a:xfrm>
           <a:prstGeom prst="wedgeRoundRectCallout">
             <a:avLst>
-              <a:gd name="adj1" fmla="val 62669"/>
-              <a:gd name="adj2" fmla="val 101705"/>
+              <a:gd name="adj1" fmla="val 65297"/>
+              <a:gd name="adj2" fmla="val 79876"/>
               <a:gd name="adj3" fmla="val 16667"/>
             </a:avLst>
           </a:prstGeom>
@@ -10678,7 +10718,14 @@
             </a:avLst>
           </a:prstGeom>
           <a:noFill/>
-          <a:ln w="38100"/>
+          <a:ln w="38100">
+            <a:solidFill>
+              <a:schemeClr val="bg1">
+                <a:lumMod val="60000"/>
+                <a:lumOff val="40000"/>
+              </a:schemeClr>
+            </a:solidFill>
+          </a:ln>
         </p:spPr>
         <p:style>
           <a:lnRef idx="2">
@@ -10706,7 +10753,10 @@
             <a:pPr algn="ctr"/>
             <a:endParaRPr lang="bg-BG" sz="2800" b="1" dirty="0">
               <a:solidFill>
-                <a:srgbClr val="FFFFFF"/>
+                <a:schemeClr val="bg1">
+                  <a:lumMod val="60000"/>
+                  <a:lumOff val="40000"/>
+                </a:schemeClr>
               </a:solidFill>
               <a:effectLst>
                 <a:outerShdw blurRad="38100" dist="38100" dir="2700000" algn="tl">
@@ -12378,7 +12428,7 @@
                 <a:hlinkClick r:id="rId3">
                   <a:extLst>
                     <a:ext uri="{A12FA001-AC4F-418D-AE19-62706E023703}">
-                      <ahyp:hlinkClr xmlns="" xmlns:ahyp="http://schemas.microsoft.com/office/drawing/2018/hyperlinkcolor" val="tx"/>
+                      <ahyp:hlinkClr xmlns:ahyp="http://schemas.microsoft.com/office/drawing/2018/hyperlinkcolor" val="tx"/>
                     </a:ext>
                   </a:extLst>
                 </a:hlinkClick>
@@ -12451,13 +12501,6 @@
       <p:transition spd="slow" advClick="0" advTm="5000"/>
     </mc:Fallback>
   </mc:AlternateContent>
-  <p:timing>
-    <p:tnLst>
-      <p:par>
-        <p:cTn id="1" dur="indefinite" restart="never" nodeType="tmRoot"/>
-      </p:par>
-    </p:tnLst>
-  </p:timing>
 </p:sld>
 </file>
 
@@ -12841,13 +12884,6 @@
       <p:transition spd="slow" advClick="0" advTm="5000"/>
     </mc:Fallback>
   </mc:AlternateContent>
-  <p:timing>
-    <p:tnLst>
-      <p:par>
-        <p:cTn id="1" dur="indefinite" restart="never" nodeType="tmRoot"/>
-      </p:par>
-    </p:tnLst>
-  </p:timing>
 </p:sld>
 </file>
 
@@ -13426,16 +13462,21 @@
             <p:ph type="title" sz="quarter" idx="10"/>
           </p:nvPr>
         </p:nvSpPr>
-        <p:spPr/>
+        <p:spPr>
+          <a:xfrm>
+            <a:off x="615109" y="4775916"/>
+            <a:ext cx="10961783" cy="768084"/>
+          </a:xfrm>
+        </p:spPr>
         <p:txBody>
           <a:bodyPr/>
           <a:lstStyle/>
           <a:p>
             <a:r>
-              <a:rPr lang="bg-BG" smtClean="0"/>
+              <a:rPr lang="bg-BG" dirty="0"/>
               <a:t>Как общуваме с компютъра?</a:t>
             </a:r>
-            <a:endParaRPr lang="en-US"/>
+            <a:endParaRPr lang="en-US" dirty="0"/>
           </a:p>
         </p:txBody>
       </p:sp>
@@ -13462,12 +13503,15 @@
             <a:avLst/>
           </a:prstGeom>
           <a:ln>
-            <a:solidFill>
-              <a:schemeClr val="bg2">
-                <a:lumMod val="75000"/>
-              </a:schemeClr>
-            </a:solidFill>
+            <a:noFill/>
           </a:ln>
+          <a:effectLst>
+            <a:outerShdw blurRad="292100" dist="139700" dir="2700000" algn="tl" rotWithShape="0">
+              <a:srgbClr val="333333">
+                <a:alpha val="65000"/>
+              </a:srgbClr>
+            </a:outerShdw>
+          </a:effectLst>
         </p:spPr>
       </p:pic>
       <p:sp>
@@ -13480,16 +13524,21 @@
             <p:ph type="subTitle" sz="quarter" idx="11"/>
           </p:nvPr>
         </p:nvSpPr>
-        <p:spPr/>
+        <p:spPr>
+          <a:xfrm>
+            <a:off x="615109" y="5630916"/>
+            <a:ext cx="10961783" cy="768084"/>
+          </a:xfrm>
+        </p:spPr>
         <p:txBody>
           <a:bodyPr/>
           <a:lstStyle/>
           <a:p>
             <a:r>
-              <a:rPr lang="bg-BG" smtClean="0"/>
+              <a:rPr lang="bg-BG" dirty="0"/>
               <a:t>Операционна система и интерфейс</a:t>
             </a:r>
-            <a:endParaRPr lang="en-US"/>
+            <a:endParaRPr lang="en-US" dirty="0"/>
           </a:p>
         </p:txBody>
       </p:sp>
@@ -13511,13 +13560,6 @@
       <p:transition spd="slow" advClick="0" advTm="5000"/>
     </mc:Fallback>
   </mc:AlternateContent>
-  <p:timing>
-    <p:tnLst>
-      <p:par>
-        <p:cTn id="1" dur="indefinite" restart="never" nodeType="tmRoot"/>
-      </p:par>
-    </p:tnLst>
-  </p:timing>
 </p:sld>
 </file>
 
@@ -13963,7 +14005,7 @@
           <a:lstStyle/>
           <a:p>
             <a:r>
-              <a:rPr lang="bg-BG" smtClean="0"/>
+              <a:rPr lang="bg-BG"/>
               <a:t>Елементи на началния екран</a:t>
             </a:r>
             <a:endParaRPr lang="en-US"/>
@@ -13993,12 +14035,15 @@
             <a:avLst/>
           </a:prstGeom>
           <a:ln>
-            <a:solidFill>
-              <a:schemeClr val="bg2">
-                <a:lumMod val="75000"/>
-              </a:schemeClr>
-            </a:solidFill>
+            <a:noFill/>
           </a:ln>
+          <a:effectLst>
+            <a:outerShdw blurRad="292100" dist="139700" dir="2700000" algn="tl" rotWithShape="0">
+              <a:srgbClr val="333333">
+                <a:alpha val="65000"/>
+              </a:srgbClr>
+            </a:outerShdw>
+          </a:effectLst>
         </p:spPr>
       </p:pic>
       <p:sp>
@@ -14017,7 +14062,7 @@
           <a:lstStyle/>
           <a:p>
             <a:r>
-              <a:rPr lang="ru-RU" smtClean="0"/>
+              <a:rPr lang="ru-RU"/>
               <a:t>Работен плот и лента на задачите</a:t>
             </a:r>
             <a:endParaRPr lang="en-US"/>
@@ -14042,13 +14087,6 @@
       <p:transition spd="slow" advClick="0" advTm="5000"/>
     </mc:Fallback>
   </mc:AlternateContent>
-  <p:timing>
-    <p:tnLst>
-      <p:par>
-        <p:cTn id="1" dur="indefinite" restart="never" nodeType="tmRoot"/>
-      </p:par>
-    </p:tnLst>
-  </p:timing>
 </p:sld>
 </file>
 
@@ -14151,8 +14189,8 @@
           </a:xfrm>
           <a:prstGeom prst="wedgeRoundRectCallout">
             <a:avLst>
-              <a:gd name="adj1" fmla="val -48433"/>
-              <a:gd name="adj2" fmla="val 111357"/>
+              <a:gd name="adj1" fmla="val -44083"/>
+              <a:gd name="adj2" fmla="val 113141"/>
               <a:gd name="adj3" fmla="val 16667"/>
             </a:avLst>
           </a:prstGeom>
@@ -14336,8 +14374,8 @@
         </p:nvSpPr>
         <p:spPr bwMode="auto">
           <a:xfrm>
-            <a:off x="105192" y="3762295"/>
-            <a:ext cx="2177894" cy="677819"/>
+            <a:off x="105192" y="3834000"/>
+            <a:ext cx="2177894" cy="606114"/>
           </a:xfrm>
           <a:prstGeom prst="wedgeRoundRectCallout">
             <a:avLst>
@@ -14942,12 +14980,15 @@
             <a:avLst/>
           </a:prstGeom>
           <a:ln>
-            <a:solidFill>
-              <a:schemeClr val="bg2">
-                <a:lumMod val="75000"/>
-              </a:schemeClr>
-            </a:solidFill>
+            <a:noFill/>
           </a:ln>
+          <a:effectLst>
+            <a:outerShdw blurRad="292100" dist="139700" dir="2700000" algn="tl" rotWithShape="0">
+              <a:srgbClr val="333333">
+                <a:alpha val="65000"/>
+              </a:srgbClr>
+            </a:outerShdw>
+          </a:effectLst>
         </p:spPr>
       </p:pic>
       <p:sp>
@@ -14966,7 +15007,7 @@
           <a:lstStyle/>
           <a:p>
             <a:r>
-              <a:rPr lang="bg-BG" smtClean="0"/>
+              <a:rPr lang="bg-BG"/>
               <a:t>Основни елементи на прозорците</a:t>
             </a:r>
             <a:endParaRPr lang="en-US"/>
@@ -14983,16 +15024,21 @@
             <p:ph type="subTitle" sz="quarter" idx="11"/>
           </p:nvPr>
         </p:nvSpPr>
-        <p:spPr/>
+        <p:spPr>
+          <a:xfrm>
+            <a:off x="138054" y="5512139"/>
+            <a:ext cx="11915891" cy="954000"/>
+          </a:xfrm>
+        </p:spPr>
         <p:txBody>
           <a:bodyPr/>
           <a:lstStyle/>
           <a:p>
             <a:r>
-              <a:rPr lang="ru-RU" smtClean="0"/>
+              <a:rPr lang="ru-RU" sz="3800" dirty="0"/>
               <a:t>Менюта, ленти, бутони, плъзгачи, области и екрани </a:t>
             </a:r>
-            <a:endParaRPr lang="en-US"/>
+            <a:endParaRPr lang="en-US" sz="3800" dirty="0"/>
           </a:p>
         </p:txBody>
       </p:sp>
@@ -15014,13 +15060,6 @@
       <p:transition spd="slow" advClick="0" advTm="5000"/>
     </mc:Fallback>
   </mc:AlternateContent>
-  <p:timing>
-    <p:tnLst>
-      <p:par>
-        <p:cTn id="1" dur="indefinite" restart="never" nodeType="tmRoot"/>
-      </p:par>
-    </p:tnLst>
-  </p:timing>
 </p:sld>
 </file>
 
@@ -15097,7 +15136,15 @@
           <a:p>
             <a:r>
               <a:rPr lang="bg-BG" dirty="0"/>
-              <a:t>Основни елементи на прозореца(1)</a:t>
+              <a:t>Основни елементи на прозореца</a:t>
+            </a:r>
+            <a:r>
+              <a:rPr lang="en-US" dirty="0"/>
+              <a:t> </a:t>
+            </a:r>
+            <a:r>
+              <a:rPr lang="bg-BG" dirty="0"/>
+              <a:t>(1)</a:t>
             </a:r>
           </a:p>
         </p:txBody>
@@ -15115,8 +15162,8 @@
           </a:xfrm>
           <a:prstGeom prst="wedgeRoundRectCallout">
             <a:avLst>
-              <a:gd name="adj1" fmla="val 63099"/>
-              <a:gd name="adj2" fmla="val 35991"/>
+              <a:gd name="adj1" fmla="val 110953"/>
+              <a:gd name="adj2" fmla="val 50723"/>
               <a:gd name="adj3" fmla="val 16667"/>
             </a:avLst>
           </a:prstGeom>
@@ -15269,8 +15316,8 @@
           </a:xfrm>
           <a:prstGeom prst="wedgeRoundRectCallout">
             <a:avLst>
-              <a:gd name="adj1" fmla="val 81547"/>
-              <a:gd name="adj2" fmla="val -27310"/>
+              <a:gd name="adj1" fmla="val 85731"/>
+              <a:gd name="adj2" fmla="val -29279"/>
               <a:gd name="adj3" fmla="val 16667"/>
             </a:avLst>
           </a:prstGeom>
@@ -16115,8 +16162,8 @@
         </p:nvSpPr>
         <p:spPr bwMode="auto">
           <a:xfrm>
-            <a:off x="7949022" y="2649454"/>
-            <a:ext cx="3494859" cy="1047702"/>
+            <a:off x="7806000" y="2741298"/>
+            <a:ext cx="4185000" cy="1047702"/>
           </a:xfrm>
           <a:prstGeom prst="wedgeRoundRectCallout">
             <a:avLst>
@@ -16179,7 +16226,7 @@
                   </a:outerShdw>
                 </a:effectLst>
               </a:rPr>
-              <a:t>Показва прозореца на </a:t>
+              <a:t>Показване на прозореца на </a:t>
             </a:r>
             <a:r>
               <a:rPr lang="bg-BG" sz="2800" b="1" dirty="0">
@@ -16197,7 +16244,7 @@
                   </a:outerShdw>
                 </a:effectLst>
               </a:rPr>
-              <a:t>целия екран</a:t>
+              <a:t>цял екран</a:t>
             </a:r>
           </a:p>
         </p:txBody>
@@ -16373,6 +16420,194 @@
               <a:t>9</a:t>
             </a:fld>
             <a:endParaRPr lang="en-US" noProof="0" dirty="0"/>
+          </a:p>
+        </p:txBody>
+      </p:sp>
+      <p:sp>
+        <p:nvSpPr>
+          <p:cNvPr id="2" name="Закръглено правоъгълно изнесено означение 20">
+            <a:extLst>
+              <a:ext uri="{FF2B5EF4-FFF2-40B4-BE49-F238E27FC236}">
+                <a16:creationId xmlns:a16="http://schemas.microsoft.com/office/drawing/2014/main" id="{7E403DFB-6D6D-C1F4-847F-4DB60C28644C}"/>
+              </a:ext>
+            </a:extLst>
+          </p:cNvPr>
+          <p:cNvSpPr/>
+          <p:nvPr/>
+        </p:nvSpPr>
+        <p:spPr bwMode="auto">
+          <a:xfrm>
+            <a:off x="8737069" y="1217451"/>
+            <a:ext cx="2753034" cy="1047702"/>
+          </a:xfrm>
+          <a:prstGeom prst="wedgeRoundRectCallout">
+            <a:avLst>
+              <a:gd name="adj1" fmla="val -82379"/>
+              <a:gd name="adj2" fmla="val 13656"/>
+              <a:gd name="adj3" fmla="val 16667"/>
+            </a:avLst>
+          </a:prstGeom>
+          <a:solidFill>
+            <a:schemeClr val="dk2">
+              <a:alpha val="80000"/>
+            </a:schemeClr>
+          </a:solidFill>
+          <a:ln w="19050">
+            <a:solidFill>
+              <a:schemeClr val="tx1">
+                <a:lumMod val="75000"/>
+                <a:alpha val="80000"/>
+              </a:schemeClr>
+            </a:solidFill>
+          </a:ln>
+          <a:effectLst/>
+        </p:spPr>
+        <p:style>
+          <a:lnRef idx="2">
+            <a:schemeClr val="accent1">
+              <a:shade val="50000"/>
+            </a:schemeClr>
+          </a:lnRef>
+          <a:fillRef idx="1001">
+            <a:schemeClr val="dk2"/>
+          </a:fillRef>
+          <a:effectRef idx="0">
+            <a:schemeClr val="accent1"/>
+          </a:effectRef>
+          <a:fontRef idx="minor">
+            <a:schemeClr val="lt1"/>
+          </a:fontRef>
+        </p:style>
+        <p:txBody>
+          <a:bodyPr rot="0" spcFirstLastPara="0" vertOverflow="overflow" horzOverflow="overflow" vert="horz" wrap="square" lIns="91440" tIns="45720" rIns="91440" bIns="45720" numCol="1" spcCol="0" rtlCol="0" fromWordArt="0" anchor="ctr" anchorCtr="0" forceAA="0" compatLnSpc="1">
+            <a:prstTxWarp prst="textNoShape">
+              <a:avLst/>
+            </a:prstTxWarp>
+            <a:noAutofit/>
+          </a:bodyPr>
+          <a:lstStyle/>
+          <a:p>
+            <a:pPr algn="ctr"/>
+            <a:r>
+              <a:rPr lang="bg-BG" sz="2800" b="1" dirty="0">
+                <a:solidFill>
+                  <a:schemeClr val="bg1">
+                    <a:lumMod val="60000"/>
+                    <a:lumOff val="40000"/>
+                  </a:schemeClr>
+                </a:solidFill>
+                <a:effectLst>
+                  <a:outerShdw blurRad="38100" dist="38100" dir="2700000" algn="tl">
+                    <a:srgbClr val="000000">
+                      <a:alpha val="43137"/>
+                    </a:srgbClr>
+                  </a:outerShdw>
+                </a:effectLst>
+              </a:rPr>
+              <a:t>Затваряне</a:t>
+            </a:r>
+            <a:r>
+              <a:rPr lang="bg-BG" sz="2800" b="1" dirty="0">
+                <a:solidFill>
+                  <a:srgbClr val="FFFFFF"/>
+                </a:solidFill>
+                <a:effectLst>
+                  <a:outerShdw blurRad="38100" dist="38100" dir="2700000" algn="tl">
+                    <a:srgbClr val="000000">
+                      <a:alpha val="43137"/>
+                    </a:srgbClr>
+                  </a:outerShdw>
+                </a:effectLst>
+              </a:rPr>
+              <a:t> на прозореца</a:t>
+            </a:r>
+            <a:endParaRPr lang="bg-BG" sz="2800" b="1" dirty="0">
+              <a:solidFill>
+                <a:schemeClr val="bg1">
+                  <a:lumMod val="60000"/>
+                  <a:lumOff val="40000"/>
+                </a:schemeClr>
+              </a:solidFill>
+              <a:effectLst>
+                <a:outerShdw blurRad="38100" dist="38100" dir="2700000" algn="tl">
+                  <a:srgbClr val="000000">
+                    <a:alpha val="43137"/>
+                  </a:srgbClr>
+                </a:outerShdw>
+              </a:effectLst>
+            </a:endParaRPr>
+          </a:p>
+        </p:txBody>
+      </p:sp>
+      <p:sp>
+        <p:nvSpPr>
+          <p:cNvPr id="4" name="Rectangle 3">
+            <a:extLst>
+              <a:ext uri="{FF2B5EF4-FFF2-40B4-BE49-F238E27FC236}">
+                <a16:creationId xmlns:a16="http://schemas.microsoft.com/office/drawing/2014/main" id="{E4A5D7AE-5846-ECAC-F429-0546A1D46D64}"/>
+              </a:ext>
+            </a:extLst>
+          </p:cNvPr>
+          <p:cNvSpPr/>
+          <p:nvPr/>
+        </p:nvSpPr>
+        <p:spPr bwMode="auto">
+          <a:xfrm>
+            <a:off x="7273291" y="1741301"/>
+            <a:ext cx="545880" cy="363723"/>
+          </a:xfrm>
+          <a:prstGeom prst="rect">
+            <a:avLst/>
+          </a:prstGeom>
+          <a:noFill/>
+          <a:ln w="38100">
+            <a:solidFill>
+              <a:schemeClr val="tx1">
+                <a:lumMod val="75000"/>
+                <a:alpha val="80000"/>
+              </a:schemeClr>
+            </a:solidFill>
+          </a:ln>
+          <a:effectLst/>
+        </p:spPr>
+        <p:style>
+          <a:lnRef idx="2">
+            <a:schemeClr val="accent1">
+              <a:shade val="50000"/>
+            </a:schemeClr>
+          </a:lnRef>
+          <a:fillRef idx="1001">
+            <a:schemeClr val="dk2"/>
+          </a:fillRef>
+          <a:effectRef idx="0">
+            <a:schemeClr val="accent1"/>
+          </a:effectRef>
+          <a:fontRef idx="minor">
+            <a:schemeClr val="lt1"/>
+          </a:fontRef>
+        </p:style>
+        <p:txBody>
+          <a:bodyPr rot="0" spcFirstLastPara="0" vertOverflow="overflow" horzOverflow="overflow" vert="horz" wrap="square" lIns="91440" tIns="45720" rIns="91440" bIns="45720" numCol="1" spcCol="0" rtlCol="0" fromWordArt="0" anchor="ctr" anchorCtr="0" forceAA="0" compatLnSpc="1">
+            <a:prstTxWarp prst="textNoShape">
+              <a:avLst/>
+            </a:prstTxWarp>
+            <a:noAutofit/>
+          </a:bodyPr>
+          <a:lstStyle/>
+          <a:p>
+            <a:pPr algn="ctr"/>
+            <a:endParaRPr lang="en-US" sz="2800" b="1" dirty="0">
+              <a:solidFill>
+                <a:srgbClr val="FFFFFF"/>
+              </a:solidFill>
+              <a:effectLst>
+                <a:outerShdw blurRad="38100" dist="38100" dir="2700000" algn="tl">
+                  <a:srgbClr val="000000">
+                    <a:alpha val="43137"/>
+                  </a:srgbClr>
+                </a:outerShdw>
+              </a:effectLst>
+            </a:endParaRPr>
           </a:p>
         </p:txBody>
       </p:sp>
@@ -16582,6 +16817,96 @@
                       </p:childTnLst>
                     </p:cTn>
                   </p:par>
+                  <p:par>
+                    <p:cTn id="19" fill="hold">
+                      <p:stCondLst>
+                        <p:cond delay="indefinite"/>
+                      </p:stCondLst>
+                      <p:childTnLst>
+                        <p:par>
+                          <p:cTn id="20" fill="hold">
+                            <p:stCondLst>
+                              <p:cond delay="0"/>
+                            </p:stCondLst>
+                            <p:childTnLst>
+                              <p:par>
+                                <p:cTn id="21" presetID="1" presetClass="entr" presetSubtype="0" fill="hold" grpId="0" nodeType="clickEffect">
+                                  <p:stCondLst>
+                                    <p:cond delay="0"/>
+                                  </p:stCondLst>
+                                  <p:childTnLst>
+                                    <p:set>
+                                      <p:cBhvr>
+                                        <p:cTn id="22" dur="1" fill="hold">
+                                          <p:stCondLst>
+                                            <p:cond delay="0"/>
+                                          </p:stCondLst>
+                                        </p:cTn>
+                                        <p:tgtEl>
+                                          <p:spTgt spid="4"/>
+                                        </p:tgtEl>
+                                        <p:attrNameLst>
+                                          <p:attrName>style.visibility</p:attrName>
+                                        </p:attrNameLst>
+                                      </p:cBhvr>
+                                      <p:to>
+                                        <p:strVal val="visible"/>
+                                      </p:to>
+                                    </p:set>
+                                  </p:childTnLst>
+                                </p:cTn>
+                              </p:par>
+                            </p:childTnLst>
+                          </p:cTn>
+                        </p:par>
+                      </p:childTnLst>
+                    </p:cTn>
+                  </p:par>
+                  <p:par>
+                    <p:cTn id="23" fill="hold">
+                      <p:stCondLst>
+                        <p:cond delay="indefinite"/>
+                      </p:stCondLst>
+                      <p:childTnLst>
+                        <p:par>
+                          <p:cTn id="24" fill="hold">
+                            <p:stCondLst>
+                              <p:cond delay="0"/>
+                            </p:stCondLst>
+                            <p:childTnLst>
+                              <p:par>
+                                <p:cTn id="25" presetID="1" presetClass="entr" presetSubtype="0" fill="hold" grpId="0" nodeType="clickEffect">
+                                  <p:stCondLst>
+                                    <p:cond delay="0"/>
+                                  </p:stCondLst>
+                                  <p:childTnLst>
+                                    <p:set>
+                                      <p:cBhvr>
+                                        <p:cTn id="26" dur="1" fill="hold">
+                                          <p:stCondLst>
+                                            <p:cond delay="0"/>
+                                          </p:stCondLst>
+                                        </p:cTn>
+                                        <p:tgtEl>
+                                          <p:spTgt spid="2"/>
+                                        </p:tgtEl>
+                                        <p:attrNameLst>
+                                          <p:attrName>style.visibility</p:attrName>
+                                        </p:attrNameLst>
+                                      </p:cBhvr>
+                                      <p:to>
+                                        <p:strVal val="visible"/>
+                                      </p:to>
+                                    </p:set>
+                                  </p:childTnLst>
+                                </p:cTn>
+                              </p:par>
+                            </p:childTnLst>
+                          </p:cTn>
+                        </p:par>
+                      </p:childTnLst>
+                    </p:cTn>
+                  </p:par>
                 </p:childTnLst>
               </p:cTn>
               <p:prevCondLst>
@@ -16608,6 +16933,8 @@
       <p:bldP spid="21" grpId="0" animBg="1"/>
       <p:bldP spid="6" grpId="0" animBg="1"/>
       <p:bldP spid="10" grpId="0" animBg="1"/>
+      <p:bldP spid="2" grpId="0" animBg="1"/>
+      <p:bldP spid="4" grpId="0" animBg="1"/>
     </p:bldLst>
   </p:timing>
 </p:sld>

--- a/Courses/Computer-Modeling-and-IT/Computer-Modeling-and-IT-5-Class/02-User-Interface/02-User-Interface.pptx
+++ b/Courses/Computer-Modeling-and-IT/Computer-Modeling-and-IT-5-Class/02-User-Interface/02-User-Interface.pptx
@@ -293,7 +293,7 @@
           <a:p>
             <a:fld id="{4E087215-0C8F-4762-A664-737A353EC9A4}" type="datetimeFigureOut">
               <a:rPr lang="bg-BG" smtClean="0"/>
-              <a:t>27.02.24 г.</a:t>
+              <a:t>8.12.2024 г.</a:t>
             </a:fld>
             <a:endParaRPr lang="bg-BG"/>
           </a:p>
@@ -489,7 +489,7 @@
           <a:p>
             <a:fld id="{72D84649-876A-46C9-8472-14CB09C070D8}" type="datetimeFigureOut">
               <a:rPr lang="en-US" smtClean="0"/>
-              <a:t>2/27/24</a:t>
+              <a:t>12/8/2024</a:t>
             </a:fld>
             <a:endParaRPr lang="en-US"/>
           </a:p>
@@ -7190,15 +7190,20 @@
           <p:nvPr/>
         </p:nvPicPr>
         <p:blipFill>
-          <a:blip r:embed="rId3"/>
-          <a:stretch>
-            <a:fillRect/>
-          </a:stretch>
+          <a:blip r:embed="rId3">
+            <a:extLst>
+              <a:ext uri="{28A0092B-C50C-407E-A947-70E740481C1C}">
+                <a14:useLocalDpi xmlns:a14="http://schemas.microsoft.com/office/drawing/2010/main" val="0"/>
+              </a:ext>
+            </a:extLst>
+          </a:blip>
+          <a:srcRect/>
+          <a:stretch/>
         </p:blipFill>
         <p:spPr>
           <a:xfrm>
-            <a:off x="6260199" y="2370739"/>
-            <a:ext cx="5378181" cy="3025227"/>
+            <a:off x="6529108" y="2370739"/>
+            <a:ext cx="4840363" cy="3025227"/>
           </a:xfrm>
           <a:prstGeom prst="rect">
             <a:avLst/>
@@ -7508,8 +7513,8 @@
         </p:blipFill>
         <p:spPr>
           <a:xfrm>
-            <a:off x="2835933" y="304398"/>
-            <a:ext cx="6520133" cy="4474602"/>
+            <a:off x="2620966" y="594000"/>
+            <a:ext cx="6950067" cy="3983051"/>
           </a:xfrm>
           <a:prstGeom prst="rect">
             <a:avLst/>
@@ -7629,15 +7634,20 @@
           <p:nvPr/>
         </p:nvPicPr>
         <p:blipFill>
-          <a:blip r:embed="rId3"/>
-          <a:stretch>
-            <a:fillRect/>
-          </a:stretch>
+          <a:blip r:embed="rId3">
+            <a:extLst>
+              <a:ext uri="{28A0092B-C50C-407E-A947-70E740481C1C}">
+                <a14:useLocalDpi xmlns:a14="http://schemas.microsoft.com/office/drawing/2010/main" val="0"/>
+              </a:ext>
+            </a:extLst>
+          </a:blip>
+          <a:srcRect/>
+          <a:stretch/>
         </p:blipFill>
         <p:spPr>
           <a:xfrm>
-            <a:off x="3084796" y="1950853"/>
-            <a:ext cx="7068932" cy="4446343"/>
+            <a:off x="3084796" y="2020419"/>
+            <a:ext cx="7068932" cy="4307210"/>
           </a:xfrm>
           <a:prstGeom prst="rect">
             <a:avLst/>
@@ -7687,13 +7697,13 @@
         </p:nvSpPr>
         <p:spPr bwMode="auto">
           <a:xfrm>
-            <a:off x="9337431" y="1332665"/>
+            <a:off x="9304966" y="1332875"/>
             <a:ext cx="2605144" cy="585215"/>
           </a:xfrm>
           <a:prstGeom prst="wedgeRoundRectCallout">
             <a:avLst>
-              <a:gd name="adj1" fmla="val -40468"/>
-              <a:gd name="adj2" fmla="val 103379"/>
+              <a:gd name="adj1" fmla="val -42722"/>
+              <a:gd name="adj2" fmla="val 129182"/>
               <a:gd name="adj3" fmla="val 16667"/>
             </a:avLst>
           </a:prstGeom>
@@ -7764,8 +7774,8 @@
         </p:nvSpPr>
         <p:spPr bwMode="auto">
           <a:xfrm>
-            <a:off x="10432457" y="5266944"/>
-            <a:ext cx="1575047" cy="512064"/>
+            <a:off x="10432457" y="5002068"/>
+            <a:ext cx="1575047" cy="603996"/>
           </a:xfrm>
           <a:prstGeom prst="wedgeRoundRectCallout">
             <a:avLst>
@@ -7838,13 +7848,13 @@
         </p:nvSpPr>
         <p:spPr bwMode="auto">
           <a:xfrm>
-            <a:off x="190405" y="3937547"/>
+            <a:off x="300032" y="4144261"/>
             <a:ext cx="2645399" cy="1461803"/>
           </a:xfrm>
           <a:prstGeom prst="wedgeRoundRectCallout">
             <a:avLst>
-              <a:gd name="adj1" fmla="val 93595"/>
-              <a:gd name="adj2" fmla="val 63313"/>
+              <a:gd name="adj1" fmla="val 91058"/>
+              <a:gd name="adj2" fmla="val 40358"/>
               <a:gd name="adj3" fmla="val 16667"/>
             </a:avLst>
           </a:prstGeom>
@@ -8137,8 +8147,8 @@
         </p:nvSpPr>
         <p:spPr bwMode="auto">
           <a:xfrm>
-            <a:off x="10420187" y="5266944"/>
-            <a:ext cx="1575047" cy="512064"/>
+            <a:off x="10432457" y="5004000"/>
+            <a:ext cx="1575047" cy="603996"/>
           </a:xfrm>
           <a:prstGeom prst="wedgeRoundRectCallout">
             <a:avLst>
@@ -8585,15 +8595,20 @@
           <p:nvPr/>
         </p:nvPicPr>
         <p:blipFill>
-          <a:blip r:embed="rId3"/>
-          <a:stretch>
-            <a:fillRect/>
-          </a:stretch>
+          <a:blip r:embed="rId3">
+            <a:extLst>
+              <a:ext uri="{28A0092B-C50C-407E-A947-70E740481C1C}">
+                <a14:useLocalDpi xmlns:a14="http://schemas.microsoft.com/office/drawing/2010/main" val="0"/>
+              </a:ext>
+            </a:extLst>
+          </a:blip>
+          <a:srcRect/>
+          <a:stretch/>
         </p:blipFill>
         <p:spPr>
           <a:xfrm>
-            <a:off x="3187878" y="1866439"/>
-            <a:ext cx="7933678" cy="4793848"/>
+            <a:off x="3126000" y="1672871"/>
+            <a:ext cx="8565152" cy="4773440"/>
           </a:xfrm>
           <a:prstGeom prst="rect">
             <a:avLst/>
@@ -8650,13 +8665,13 @@
         </p:nvSpPr>
         <p:spPr bwMode="auto">
           <a:xfrm>
-            <a:off x="186239" y="2245074"/>
-            <a:ext cx="2526340" cy="572500"/>
+            <a:off x="291426" y="2576857"/>
+            <a:ext cx="2526340" cy="655854"/>
           </a:xfrm>
           <a:prstGeom prst="wedgeRoundRectCallout">
             <a:avLst>
-              <a:gd name="adj1" fmla="val 69664"/>
-              <a:gd name="adj2" fmla="val 10903"/>
+              <a:gd name="adj1" fmla="val 66675"/>
+              <a:gd name="adj2" fmla="val -10842"/>
               <a:gd name="adj3" fmla="val 16667"/>
             </a:avLst>
           </a:prstGeom>
@@ -8721,19 +8736,19 @@
       </p:sp>
       <p:sp>
         <p:nvSpPr>
-          <p:cNvPr id="13" name="Закръглено правоъгълно изнесено означение 12"/>
+          <p:cNvPr id="14" name="Закръглено правоъгълно изнесено означение 13"/>
           <p:cNvSpPr/>
           <p:nvPr/>
         </p:nvSpPr>
         <p:spPr bwMode="auto">
           <a:xfrm>
-            <a:off x="7858508" y="4088753"/>
-            <a:ext cx="1795094" cy="604689"/>
+            <a:off x="207766" y="4305538"/>
+            <a:ext cx="2610000" cy="1028050"/>
           </a:xfrm>
           <a:prstGeom prst="wedgeRoundRectCallout">
             <a:avLst>
-              <a:gd name="adj1" fmla="val -185837"/>
-              <a:gd name="adj2" fmla="val -88190"/>
+              <a:gd name="adj1" fmla="val 66375"/>
+              <a:gd name="adj2" fmla="val 37920"/>
               <a:gd name="adj3" fmla="val 16667"/>
             </a:avLst>
           </a:prstGeom>
@@ -8791,26 +8806,26 @@
                   </a:outerShdw>
                 </a:effectLst>
               </a:rPr>
-              <a:t>Отметки</a:t>
+              <a:t>Навигационен екран</a:t>
             </a:r>
           </a:p>
         </p:txBody>
       </p:sp>
       <p:sp>
         <p:nvSpPr>
-          <p:cNvPr id="14" name="Закръглено правоъгълно изнесено означение 13"/>
+          <p:cNvPr id="15" name="Закръглено правоъгълно изнесено означение 14"/>
           <p:cNvSpPr/>
           <p:nvPr/>
         </p:nvSpPr>
         <p:spPr bwMode="auto">
           <a:xfrm>
-            <a:off x="218016" y="3749338"/>
-            <a:ext cx="2514480" cy="1028050"/>
+            <a:off x="884974" y="1386621"/>
+            <a:ext cx="1932792" cy="572500"/>
           </a:xfrm>
           <a:prstGeom prst="wedgeRoundRectCallout">
             <a:avLst>
-              <a:gd name="adj1" fmla="val 65732"/>
-              <a:gd name="adj2" fmla="val 40368"/>
+              <a:gd name="adj1" fmla="val 80756"/>
+              <a:gd name="adj2" fmla="val 32928"/>
               <a:gd name="adj3" fmla="val 16667"/>
             </a:avLst>
           </a:prstGeom>
@@ -8868,26 +8883,26 @@
                   </a:outerShdw>
                 </a:effectLst>
               </a:rPr>
-              <a:t>Навигационен екран</a:t>
+              <a:t>Заглавие</a:t>
             </a:r>
           </a:p>
         </p:txBody>
       </p:sp>
       <p:sp>
         <p:nvSpPr>
-          <p:cNvPr id="15" name="Закръглено правоъгълно изнесено означение 14"/>
+          <p:cNvPr id="17" name="Закръглено правоъгълно изнесено означение 16"/>
           <p:cNvSpPr/>
           <p:nvPr/>
         </p:nvSpPr>
         <p:spPr bwMode="auto">
           <a:xfrm>
-            <a:off x="483013" y="1313311"/>
-            <a:ext cx="1932792" cy="572500"/>
+            <a:off x="8616000" y="5769000"/>
+            <a:ext cx="1627632" cy="548907"/>
           </a:xfrm>
           <a:prstGeom prst="wedgeRoundRectCallout">
             <a:avLst>
-              <a:gd name="adj1" fmla="val 103760"/>
-              <a:gd name="adj2" fmla="val 54908"/>
+              <a:gd name="adj1" fmla="val -86607"/>
+              <a:gd name="adj2" fmla="val 26517"/>
               <a:gd name="adj3" fmla="val 16667"/>
             </a:avLst>
           </a:prstGeom>
@@ -8945,26 +8960,32 @@
                   </a:outerShdw>
                 </a:effectLst>
               </a:rPr>
-              <a:t>Заглавие</a:t>
+              <a:t>Списък</a:t>
             </a:r>
           </a:p>
         </p:txBody>
       </p:sp>
       <p:sp>
         <p:nvSpPr>
-          <p:cNvPr id="17" name="Закръглено правоъгълно изнесено означение 16"/>
+          <p:cNvPr id="6" name="Закръглено правоъгълно изнесено означение 15">
+            <a:extLst>
+              <a:ext uri="{FF2B5EF4-FFF2-40B4-BE49-F238E27FC236}">
+                <a16:creationId xmlns:a16="http://schemas.microsoft.com/office/drawing/2014/main" id="{46DF6804-B35C-12F3-AFF0-D52E7AB75292}"/>
+              </a:ext>
+            </a:extLst>
+          </p:cNvPr>
           <p:cNvSpPr/>
           <p:nvPr/>
         </p:nvSpPr>
         <p:spPr bwMode="auto">
           <a:xfrm>
-            <a:off x="8361428" y="5410325"/>
-            <a:ext cx="1627632" cy="548907"/>
+            <a:off x="7221000" y="4445544"/>
+            <a:ext cx="2394376" cy="659752"/>
           </a:xfrm>
           <a:prstGeom prst="wedgeRoundRectCallout">
             <a:avLst>
-              <a:gd name="adj1" fmla="val -114439"/>
-              <a:gd name="adj2" fmla="val 18875"/>
+              <a:gd name="adj1" fmla="val 96434"/>
+              <a:gd name="adj2" fmla="val 25292"/>
               <a:gd name="adj3" fmla="val 16667"/>
             </a:avLst>
           </a:prstGeom>
@@ -9022,17 +9043,59 @@
                   </a:outerShdw>
                 </a:effectLst>
               </a:rPr>
-              <a:t>Списък</a:t>
+              <a:t>Радиобутон</a:t>
             </a:r>
           </a:p>
         </p:txBody>
       </p:sp>
       <p:sp>
         <p:nvSpPr>
-          <p:cNvPr id="6" name="Закръглено правоъгълно изнесено означение 15">
+          <p:cNvPr id="11" name="Slide Number">
             <a:extLst>
               <a:ext uri="{FF2B5EF4-FFF2-40B4-BE49-F238E27FC236}">
-                <a16:creationId xmlns:a16="http://schemas.microsoft.com/office/drawing/2014/main" id="{46DF6804-B35C-12F3-AFF0-D52E7AB75292}"/>
+                <a16:creationId xmlns:a16="http://schemas.microsoft.com/office/drawing/2014/main" id="{C1780DB1-0AF0-4108-AFE1-9DA99F0DBCB8}"/>
+              </a:ext>
+            </a:extLst>
+          </p:cNvPr>
+          <p:cNvSpPr>
+            <a:spLocks noGrp="1"/>
+          </p:cNvSpPr>
+          <p:nvPr>
+            <p:ph type="sldNum" sz="quarter" idx="5"/>
+          </p:nvPr>
+        </p:nvSpPr>
+        <p:spPr>
+          <a:xfrm>
+            <a:off x="11753030" y="6507000"/>
+            <a:ext cx="367414" cy="297000"/>
+          </a:xfrm>
+          <a:prstGeom prst="rect">
+            <a:avLst/>
+          </a:prstGeom>
+        </p:spPr>
+        <p:txBody>
+          <a:bodyPr vert="horz" lIns="91440" tIns="45720" rIns="91440" bIns="45720" rtlCol="0" anchor="b"/>
+          <a:lstStyle>
+            <a:lvl1pPr algn="r">
+              <a:defRPr sz="1000"/>
+            </a:lvl1pPr>
+          </a:lstStyle>
+          <a:p>
+            <a:fld id="{2BF067CD-8E6B-4360-9AA8-C5DF2A48A6D1}" type="slidenum">
+              <a:rPr lang="en-US" noProof="0" smtClean="0"/>
+              <a:pPr/>
+              <a:t>12</a:t>
+            </a:fld>
+            <a:endParaRPr lang="en-US" noProof="0" dirty="0"/>
+          </a:p>
+        </p:txBody>
+      </p:sp>
+      <p:sp>
+        <p:nvSpPr>
+          <p:cNvPr id="2" name="Закръглено правоъгълно изнесено означение 12">
+            <a:extLst>
+              <a:ext uri="{FF2B5EF4-FFF2-40B4-BE49-F238E27FC236}">
+                <a16:creationId xmlns:a16="http://schemas.microsoft.com/office/drawing/2014/main" id="{6F39A64D-D867-FEFD-33BB-017E80512391}"/>
               </a:ext>
             </a:extLst>
           </p:cNvPr>
@@ -9041,13 +9104,13 @@
         </p:nvSpPr>
         <p:spPr bwMode="auto">
           <a:xfrm>
-            <a:off x="8336103" y="3036107"/>
-            <a:ext cx="2394376" cy="659752"/>
+            <a:off x="8422773" y="2477135"/>
+            <a:ext cx="3420000" cy="627394"/>
           </a:xfrm>
           <a:prstGeom prst="wedgeRoundRectCallout">
             <a:avLst>
-              <a:gd name="adj1" fmla="val -162484"/>
-              <a:gd name="adj2" fmla="val -28112"/>
+              <a:gd name="adj1" fmla="val 16930"/>
+              <a:gd name="adj2" fmla="val 214054"/>
               <a:gd name="adj3" fmla="val 16667"/>
             </a:avLst>
           </a:prstGeom>
@@ -9105,50 +9168,8 @@
                   </a:outerShdw>
                 </a:effectLst>
               </a:rPr>
-              <a:t>Радиобутон</a:t>
-            </a:r>
-          </a:p>
-        </p:txBody>
-      </p:sp>
-      <p:sp>
-        <p:nvSpPr>
-          <p:cNvPr id="11" name="Slide Number">
-            <a:extLst>
-              <a:ext uri="{FF2B5EF4-FFF2-40B4-BE49-F238E27FC236}">
-                <a16:creationId xmlns:a16="http://schemas.microsoft.com/office/drawing/2014/main" id="{C1780DB1-0AF0-4108-AFE1-9DA99F0DBCB8}"/>
-              </a:ext>
-            </a:extLst>
-          </p:cNvPr>
-          <p:cNvSpPr>
-            <a:spLocks noGrp="1"/>
-          </p:cNvSpPr>
-          <p:nvPr>
-            <p:ph type="sldNum" sz="quarter" idx="5"/>
-          </p:nvPr>
-        </p:nvSpPr>
-        <p:spPr>
-          <a:xfrm>
-            <a:off x="11753030" y="6507000"/>
-            <a:ext cx="367414" cy="297000"/>
-          </a:xfrm>
-          <a:prstGeom prst="rect">
-            <a:avLst/>
-          </a:prstGeom>
-        </p:spPr>
-        <p:txBody>
-          <a:bodyPr vert="horz" lIns="91440" tIns="45720" rIns="91440" bIns="45720" rtlCol="0" anchor="b"/>
-          <a:lstStyle>
-            <a:lvl1pPr algn="r">
-              <a:defRPr sz="1000"/>
-            </a:lvl1pPr>
-          </a:lstStyle>
-          <a:p>
-            <a:fld id="{2BF067CD-8E6B-4360-9AA8-C5DF2A48A6D1}" type="slidenum">
-              <a:rPr lang="en-US" noProof="0" smtClean="0"/>
-              <a:pPr/>
-              <a:t>12</a:t>
-            </a:fld>
-            <a:endParaRPr lang="en-US" noProof="0" dirty="0"/>
+              <a:t>Комбинирана кутия</a:t>
+            </a:r>
           </a:p>
         </p:txBody>
       </p:sp>
@@ -9384,7 +9405,7 @@
                                           </p:stCondLst>
                                         </p:cTn>
                                         <p:tgtEl>
-                                          <p:spTgt spid="13"/>
+                                          <p:spTgt spid="17"/>
                                         </p:tgtEl>
                                         <p:attrNameLst>
                                           <p:attrName>style.visibility</p:attrName>
@@ -9429,7 +9450,7 @@
                                           </p:stCondLst>
                                         </p:cTn>
                                         <p:tgtEl>
-                                          <p:spTgt spid="17"/>
+                                          <p:spTgt spid="2"/>
                                         </p:tgtEl>
                                         <p:attrNameLst>
                                           <p:attrName>style.visibility</p:attrName>
@@ -9471,11 +9492,11 @@
     </p:tnLst>
     <p:bldLst>
       <p:bldP spid="12" grpId="0" animBg="1"/>
-      <p:bldP spid="13" grpId="0" animBg="1"/>
       <p:bldP spid="14" grpId="0" animBg="1"/>
       <p:bldP spid="15" grpId="0" animBg="1"/>
       <p:bldP spid="17" grpId="0" animBg="1"/>
       <p:bldP spid="6" grpId="0" animBg="1"/>
+      <p:bldP spid="2" grpId="0" animBg="1"/>
     </p:bldLst>
   </p:timing>
 </p:sld>
@@ -9715,15 +9736,20 @@
           <p:nvPr/>
         </p:nvPicPr>
         <p:blipFill>
-          <a:blip r:embed="rId3"/>
-          <a:stretch>
-            <a:fillRect/>
-          </a:stretch>
+          <a:blip r:embed="rId3">
+            <a:extLst>
+              <a:ext uri="{28A0092B-C50C-407E-A947-70E740481C1C}">
+                <a14:useLocalDpi xmlns:a14="http://schemas.microsoft.com/office/drawing/2010/main" val="0"/>
+              </a:ext>
+            </a:extLst>
+          </a:blip>
+          <a:srcRect/>
+          <a:stretch/>
         </p:blipFill>
         <p:spPr>
           <a:xfrm>
-            <a:off x="8539088" y="1275328"/>
-            <a:ext cx="2866912" cy="3163566"/>
+            <a:off x="8583378" y="1269000"/>
+            <a:ext cx="2817586" cy="3344197"/>
           </a:xfrm>
           <a:prstGeom prst="rect">
             <a:avLst/>
@@ -9968,9 +9994,15 @@
           </p:cNvPicPr>
           <p:nvPr/>
         </p:nvPicPr>
-        <p:blipFill rotWithShape="1">
-          <a:blip r:embed="rId2"/>
-          <a:srcRect l="6416" t="2489" r="16933" b="1659"/>
+        <p:blipFill>
+          <a:blip r:embed="rId2">
+            <a:extLst>
+              <a:ext uri="{28A0092B-C50C-407E-A947-70E740481C1C}">
+                <a14:useLocalDpi xmlns:a14="http://schemas.microsoft.com/office/drawing/2010/main" val="0"/>
+              </a:ext>
+            </a:extLst>
+          </a:blip>
+          <a:srcRect t="4965" b="4965"/>
           <a:stretch/>
         </p:blipFill>
         <p:spPr>
@@ -10443,15 +10475,20 @@
           <p:nvPr/>
         </p:nvPicPr>
         <p:blipFill>
-          <a:blip r:embed="rId2"/>
-          <a:stretch>
-            <a:fillRect/>
-          </a:stretch>
+          <a:blip r:embed="rId2">
+            <a:extLst>
+              <a:ext uri="{28A0092B-C50C-407E-A947-70E740481C1C}">
+                <a14:useLocalDpi xmlns:a14="http://schemas.microsoft.com/office/drawing/2010/main" val="0"/>
+              </a:ext>
+            </a:extLst>
+          </a:blip>
+          <a:srcRect/>
+          <a:stretch/>
         </p:blipFill>
         <p:spPr>
           <a:xfrm>
-            <a:off x="7482254" y="1285942"/>
-            <a:ext cx="3475878" cy="5373225"/>
+            <a:off x="6816000" y="1404000"/>
+            <a:ext cx="4794019" cy="5209425"/>
           </a:xfrm>
           <a:prstGeom prst="rect">
             <a:avLst/>
@@ -10551,13 +10588,13 @@
         </p:nvSpPr>
         <p:spPr bwMode="auto">
           <a:xfrm>
-            <a:off x="1999477" y="3796658"/>
+            <a:off x="2493358" y="4644000"/>
             <a:ext cx="4702504" cy="1301986"/>
           </a:xfrm>
           <a:prstGeom prst="wedgeRoundRectCallout">
             <a:avLst>
-              <a:gd name="adj1" fmla="val 65297"/>
-              <a:gd name="adj2" fmla="val 79876"/>
+              <a:gd name="adj1" fmla="val 113999"/>
+              <a:gd name="adj2" fmla="val 5779"/>
               <a:gd name="adj3" fmla="val 16667"/>
             </a:avLst>
           </a:prstGeom>
@@ -10709,8 +10746,8 @@
         </p:nvSpPr>
         <p:spPr bwMode="auto">
           <a:xfrm>
-            <a:off x="7482253" y="5097771"/>
-            <a:ext cx="1987062" cy="1223898"/>
+            <a:off x="9745921" y="3184708"/>
+            <a:ext cx="1660079" cy="1819291"/>
           </a:xfrm>
           <a:prstGeom prst="roundRect">
             <a:avLst>
@@ -10720,10 +10757,7 @@
           <a:noFill/>
           <a:ln w="38100">
             <a:solidFill>
-              <a:schemeClr val="bg1">
-                <a:lumMod val="60000"/>
-                <a:lumOff val="40000"/>
-              </a:schemeClr>
+              <a:schemeClr val="tx1"/>
             </a:solidFill>
           </a:ln>
         </p:spPr>
@@ -10834,15 +10868,33 @@
                                   </p:childTnLst>
                                 </p:cTn>
                               </p:par>
+                            </p:childTnLst>
+                          </p:cTn>
+                        </p:par>
+                      </p:childTnLst>
+                    </p:cTn>
+                  </p:par>
+                  <p:par>
+                    <p:cTn id="7" fill="hold">
+                      <p:stCondLst>
+                        <p:cond delay="indefinite"/>
+                      </p:stCondLst>
+                      <p:childTnLst>
+                        <p:par>
+                          <p:cTn id="8" fill="hold">
+                            <p:stCondLst>
+                              <p:cond delay="0"/>
+                            </p:stCondLst>
+                            <p:childTnLst>
                               <p:par>
-                                <p:cTn id="7" presetID="1" presetClass="entr" presetSubtype="0" fill="hold" grpId="0" nodeType="withEffect">
+                                <p:cTn id="9" presetID="1" presetClass="entr" presetSubtype="0" fill="hold" grpId="0" nodeType="clickEffect">
                                   <p:stCondLst>
                                     <p:cond delay="0"/>
                                   </p:stCondLst>
                                   <p:childTnLst>
                                     <p:set>
                                       <p:cBhvr>
-                                        <p:cTn id="8" dur="1" fill="hold">
+                                        <p:cTn id="10" dur="1" fill="hold">
                                           <p:stCondLst>
                                             <p:cond delay="0"/>
                                           </p:stCondLst>
@@ -12505,7 +12557,7 @@
 </file>
 
 <file path=ppt/slides/slide18.xml><?xml version="1.0" encoding="utf-8"?>
-<p:sld xmlns:a="http://schemas.openxmlformats.org/drawingml/2006/main" xmlns:r="http://schemas.openxmlformats.org/officeDocument/2006/relationships" xmlns:p="http://schemas.openxmlformats.org/presentationml/2006/main">
+<p:sld xmlns:a="http://schemas.openxmlformats.org/drawingml/2006/main" xmlns:r="http://schemas.openxmlformats.org/officeDocument/2006/relationships" xmlns:p="http://schemas.openxmlformats.org/presentationml/2006/main" show="0">
   <p:cSld>
     <p:spTree>
       <p:nvGrpSpPr>
@@ -12876,11 +12928,11 @@
   <p:clrMapOvr>
     <a:masterClrMapping/>
   </p:clrMapOvr>
-  <mc:AlternateContent xmlns:mc="http://schemas.openxmlformats.org/markup-compatibility/2006" xmlns:p14="http://schemas.microsoft.com/office/powerpoint/2010/main">
-    <mc:Choice Requires="p14">
+  <mc:AlternateContent xmlns:mc="http://schemas.openxmlformats.org/markup-compatibility/2006">
+    <mc:Choice xmlns:p14="http://schemas.microsoft.com/office/powerpoint/2010/main" Requires="p14">
       <p:transition spd="slow" p14:dur="2000" advClick="0" advTm="5000"/>
     </mc:Choice>
-    <mc:Fallback xmlns="">
+    <mc:Fallback>
       <p:transition spd="slow" advClick="0" advTm="5000"/>
     </mc:Fallback>
   </mc:AlternateContent>
@@ -13489,15 +13541,20 @@
           <p:nvPr/>
         </p:nvPicPr>
         <p:blipFill>
-          <a:blip r:embed="rId3"/>
-          <a:stretch>
-            <a:fillRect/>
-          </a:stretch>
+          <a:blip r:embed="rId3">
+            <a:extLst>
+              <a:ext uri="{28A0092B-C50C-407E-A947-70E740481C1C}">
+                <a14:useLocalDpi xmlns:a14="http://schemas.microsoft.com/office/drawing/2010/main" val="0"/>
+              </a:ext>
+            </a:extLst>
+          </a:blip>
+          <a:srcRect/>
+          <a:stretch/>
         </p:blipFill>
         <p:spPr>
           <a:xfrm>
-            <a:off x="2415184" y="434220"/>
-            <a:ext cx="7361632" cy="4140918"/>
+            <a:off x="2783265" y="434220"/>
+            <a:ext cx="6625469" cy="4140918"/>
           </a:xfrm>
           <a:prstGeom prst="rect">
             <a:avLst/>
@@ -14021,15 +14078,20 @@
           <p:nvPr/>
         </p:nvPicPr>
         <p:blipFill>
-          <a:blip r:embed="rId2"/>
-          <a:stretch>
-            <a:fillRect/>
-          </a:stretch>
+          <a:blip r:embed="rId2">
+            <a:extLst>
+              <a:ext uri="{28A0092B-C50C-407E-A947-70E740481C1C}">
+                <a14:useLocalDpi xmlns:a14="http://schemas.microsoft.com/office/drawing/2010/main" val="0"/>
+              </a:ext>
+            </a:extLst>
+          </a:blip>
+          <a:srcRect/>
+          <a:stretch/>
         </p:blipFill>
         <p:spPr>
           <a:xfrm>
-            <a:off x="2406000" y="458112"/>
-            <a:ext cx="7386268" cy="4154775"/>
+            <a:off x="2775314" y="458112"/>
+            <a:ext cx="6647640" cy="4154775"/>
           </a:xfrm>
           <a:prstGeom prst="rect">
             <a:avLst/>
@@ -14116,15 +14178,20 @@
           <p:nvPr/>
         </p:nvPicPr>
         <p:blipFill>
-          <a:blip r:embed="rId3"/>
-          <a:stretch>
-            <a:fillRect/>
-          </a:stretch>
+          <a:blip r:embed="rId3">
+            <a:extLst>
+              <a:ext uri="{28A0092B-C50C-407E-A947-70E740481C1C}">
+                <a14:useLocalDpi xmlns:a14="http://schemas.microsoft.com/office/drawing/2010/main" val="0"/>
+              </a:ext>
+            </a:extLst>
+          </a:blip>
+          <a:srcRect/>
+          <a:stretch/>
         </p:blipFill>
         <p:spPr>
           <a:xfrm>
-            <a:off x="2360853" y="1369855"/>
-            <a:ext cx="7700325" cy="4331433"/>
+            <a:off x="2399462" y="1333992"/>
+            <a:ext cx="7393076" cy="4620672"/>
           </a:xfrm>
           <a:prstGeom prst="rect">
             <a:avLst/>
@@ -14184,7 +14251,7 @@
         </p:nvSpPr>
         <p:spPr bwMode="auto">
           <a:xfrm>
-            <a:off x="9337431" y="3604784"/>
+            <a:off x="8346000" y="3699000"/>
             <a:ext cx="2657803" cy="1178231"/>
           </a:xfrm>
           <a:prstGeom prst="wedgeRoundRectCallout">
@@ -14279,13 +14346,13 @@
         </p:nvSpPr>
         <p:spPr bwMode="auto">
           <a:xfrm>
-            <a:off x="105192" y="1679201"/>
+            <a:off x="190406" y="1741008"/>
             <a:ext cx="2014916" cy="1017839"/>
           </a:xfrm>
           <a:prstGeom prst="wedgeRoundRectCallout">
             <a:avLst>
-              <a:gd name="adj1" fmla="val 61854"/>
-              <a:gd name="adj2" fmla="val -22777"/>
+              <a:gd name="adj1" fmla="val 54776"/>
+              <a:gd name="adj2" fmla="val 76127"/>
               <a:gd name="adj3" fmla="val 16667"/>
             </a:avLst>
           </a:prstGeom>
@@ -14374,13 +14441,13 @@
         </p:nvSpPr>
         <p:spPr bwMode="auto">
           <a:xfrm>
-            <a:off x="105192" y="3834000"/>
+            <a:off x="1757843" y="6151136"/>
             <a:ext cx="2177894" cy="606114"/>
           </a:xfrm>
           <a:prstGeom prst="wedgeRoundRectCallout">
             <a:avLst>
-              <a:gd name="adj1" fmla="val 47811"/>
-              <a:gd name="adj2" fmla="val 96246"/>
+              <a:gd name="adj1" fmla="val 84789"/>
+              <a:gd name="adj2" fmla="val -140429"/>
               <a:gd name="adj3" fmla="val 16667"/>
             </a:avLst>
           </a:prstGeom>
@@ -14451,13 +14518,13 @@
         </p:nvSpPr>
         <p:spPr bwMode="auto">
           <a:xfrm>
-            <a:off x="1481162" y="6024186"/>
+            <a:off x="4835906" y="6211074"/>
             <a:ext cx="1759381" cy="527432"/>
           </a:xfrm>
           <a:prstGeom prst="wedgeRoundRectCallout">
             <a:avLst>
-              <a:gd name="adj1" fmla="val 15281"/>
-              <a:gd name="adj2" fmla="val -107887"/>
+              <a:gd name="adj1" fmla="val -23818"/>
+              <a:gd name="adj2" fmla="val -95163"/>
               <a:gd name="adj3" fmla="val 16667"/>
             </a:avLst>
           </a:prstGeom>
@@ -14528,13 +14595,13 @@
         </p:nvSpPr>
         <p:spPr bwMode="auto">
           <a:xfrm>
-            <a:off x="5502075" y="5876016"/>
+            <a:off x="7050057" y="6143334"/>
             <a:ext cx="3802804" cy="595172"/>
           </a:xfrm>
           <a:prstGeom prst="wedgeRoundRectCallout">
             <a:avLst>
-              <a:gd name="adj1" fmla="val -74064"/>
-              <a:gd name="adj2" fmla="val -72825"/>
+              <a:gd name="adj1" fmla="val -35018"/>
+              <a:gd name="adj2" fmla="val -70006"/>
               <a:gd name="adj3" fmla="val 16667"/>
             </a:avLst>
           </a:prstGeom>
@@ -14966,15 +15033,20 @@
           <p:nvPr/>
         </p:nvPicPr>
         <p:blipFill>
-          <a:blip r:embed="rId2"/>
-          <a:stretch>
-            <a:fillRect/>
-          </a:stretch>
+          <a:blip r:embed="rId2">
+            <a:extLst>
+              <a:ext uri="{28A0092B-C50C-407E-A947-70E740481C1C}">
+                <a14:useLocalDpi xmlns:a14="http://schemas.microsoft.com/office/drawing/2010/main" val="0"/>
+              </a:ext>
+            </a:extLst>
+          </a:blip>
+          <a:srcRect/>
+          <a:stretch/>
         </p:blipFill>
         <p:spPr>
           <a:xfrm>
-            <a:off x="2994071" y="720572"/>
-            <a:ext cx="6228260" cy="3763366"/>
+            <a:off x="2902535" y="819000"/>
+            <a:ext cx="6386929" cy="3660318"/>
           </a:xfrm>
           <a:prstGeom prst="rect">
             <a:avLst/>
@@ -15089,15 +15161,20 @@
           <p:nvPr/>
         </p:nvPicPr>
         <p:blipFill>
-          <a:blip r:embed="rId3"/>
-          <a:stretch>
-            <a:fillRect/>
-          </a:stretch>
+          <a:blip r:embed="rId3">
+            <a:extLst>
+              <a:ext uri="{28A0092B-C50C-407E-A947-70E740481C1C}">
+                <a14:useLocalDpi xmlns:a14="http://schemas.microsoft.com/office/drawing/2010/main" val="0"/>
+              </a:ext>
+            </a:extLst>
+          </a:blip>
+          <a:srcRect/>
+          <a:stretch/>
         </p:blipFill>
         <p:spPr>
           <a:xfrm>
-            <a:off x="2874410" y="1820614"/>
-            <a:ext cx="6765921" cy="4351586"/>
+            <a:off x="3071379" y="1595039"/>
+            <a:ext cx="7842175" cy="4606326"/>
           </a:xfrm>
           <a:prstGeom prst="rect">
             <a:avLst/>
@@ -15162,8 +15239,8 @@
           </a:xfrm>
           <a:prstGeom prst="wedgeRoundRectCallout">
             <a:avLst>
-              <a:gd name="adj1" fmla="val 110953"/>
-              <a:gd name="adj2" fmla="val 50723"/>
+              <a:gd name="adj1" fmla="val 87081"/>
+              <a:gd name="adj2" fmla="val 31615"/>
               <a:gd name="adj3" fmla="val 16667"/>
             </a:avLst>
           </a:prstGeom>
@@ -15234,13 +15311,13 @@
         </p:nvSpPr>
         <p:spPr bwMode="auto">
           <a:xfrm>
-            <a:off x="9793878" y="1208028"/>
+            <a:off x="10490883" y="2034000"/>
             <a:ext cx="1489297" cy="559929"/>
           </a:xfrm>
           <a:prstGeom prst="wedgeRoundRectCallout">
             <a:avLst>
-              <a:gd name="adj1" fmla="val -84157"/>
-              <a:gd name="adj2" fmla="val 60975"/>
+              <a:gd name="adj1" fmla="val -53740"/>
+              <a:gd name="adj2" fmla="val -73865"/>
               <a:gd name="adj3" fmla="val 16667"/>
             </a:avLst>
           </a:prstGeom>
@@ -15311,13 +15388,13 @@
         </p:nvSpPr>
         <p:spPr bwMode="auto">
           <a:xfrm>
-            <a:off x="422549" y="2292296"/>
+            <a:off x="665738" y="2315695"/>
             <a:ext cx="1758462" cy="533790"/>
           </a:xfrm>
           <a:prstGeom prst="wedgeRoundRectCallout">
             <a:avLst>
-              <a:gd name="adj1" fmla="val 85731"/>
-              <a:gd name="adj2" fmla="val -29279"/>
+              <a:gd name="adj1" fmla="val 91933"/>
+              <a:gd name="adj2" fmla="val -71712"/>
               <a:gd name="adj3" fmla="val 16667"/>
             </a:avLst>
           </a:prstGeom>
@@ -15388,13 +15465,13 @@
         </p:nvSpPr>
         <p:spPr bwMode="auto">
           <a:xfrm>
-            <a:off x="243762" y="3438346"/>
+            <a:off x="190406" y="3395742"/>
             <a:ext cx="2630648" cy="1004919"/>
           </a:xfrm>
           <a:prstGeom prst="wedgeRoundRectCallout">
             <a:avLst>
-              <a:gd name="adj1" fmla="val 54802"/>
-              <a:gd name="adj2" fmla="val 22239"/>
+              <a:gd name="adj1" fmla="val 61180"/>
+              <a:gd name="adj2" fmla="val 39770"/>
               <a:gd name="adj3" fmla="val 16667"/>
             </a:avLst>
           </a:prstGeom>
@@ -15465,13 +15542,13 @@
         </p:nvSpPr>
         <p:spPr bwMode="auto">
           <a:xfrm>
-            <a:off x="9120622" y="5128611"/>
+            <a:off x="9123543" y="5769000"/>
             <a:ext cx="2699348" cy="585558"/>
           </a:xfrm>
           <a:prstGeom prst="wedgeRoundRectCallout">
             <a:avLst>
-              <a:gd name="adj1" fmla="val -68219"/>
-              <a:gd name="adj2" fmla="val -66815"/>
+              <a:gd name="adj1" fmla="val -62314"/>
+              <a:gd name="adj2" fmla="val -75411"/>
               <a:gd name="adj3" fmla="val 16667"/>
             </a:avLst>
           </a:prstGeom>
@@ -15542,13 +15619,13 @@
         </p:nvSpPr>
         <p:spPr bwMode="auto">
           <a:xfrm>
-            <a:off x="369109" y="4892345"/>
+            <a:off x="425486" y="5457102"/>
             <a:ext cx="2238966" cy="1058090"/>
           </a:xfrm>
           <a:prstGeom prst="wedgeRoundRectCallout">
             <a:avLst>
-              <a:gd name="adj1" fmla="val 69444"/>
-              <a:gd name="adj2" fmla="val 46523"/>
+              <a:gd name="adj1" fmla="val 68695"/>
+              <a:gd name="adj2" fmla="val 16395"/>
               <a:gd name="adj3" fmla="val 16667"/>
             </a:avLst>
           </a:prstGeom>
@@ -16007,15 +16084,21 @@
           </p:cNvPicPr>
           <p:nvPr/>
         </p:nvPicPr>
-        <p:blipFill rotWithShape="1">
-          <a:blip r:embed="rId3"/>
-          <a:srcRect l="29738" b="25148"/>
+        <p:blipFill>
+          <a:blip r:embed="rId3">
+            <a:extLst>
+              <a:ext uri="{28A0092B-C50C-407E-A947-70E740481C1C}">
+                <a14:useLocalDpi xmlns:a14="http://schemas.microsoft.com/office/drawing/2010/main" val="0"/>
+              </a:ext>
+            </a:extLst>
+          </a:blip>
+          <a:srcRect l="32232" r="-159" b="29388"/>
           <a:stretch/>
         </p:blipFill>
         <p:spPr>
           <a:xfrm>
-            <a:off x="703387" y="1741302"/>
-            <a:ext cx="7115784" cy="4875536"/>
+            <a:off x="716949" y="1741302"/>
+            <a:ext cx="7117273" cy="4345846"/>
           </a:xfrm>
           <a:prstGeom prst="rect">
             <a:avLst/>
